--- a/PPT/Partidon APp.pptx
+++ b/PPT/Partidon APp.pptx
@@ -16,9 +16,12 @@
     <p:sldId id="264" r:id="rId10"/>
     <p:sldId id="265" r:id="rId11"/>
     <p:sldId id="266" r:id="rId12"/>
-    <p:sldId id="267" r:id="rId13"/>
-    <p:sldId id="268" r:id="rId14"/>
-    <p:sldId id="269" r:id="rId15"/>
+    <p:sldId id="270" r:id="rId13"/>
+    <p:sldId id="271" r:id="rId14"/>
+    <p:sldId id="272" r:id="rId15"/>
+    <p:sldId id="267" r:id="rId16"/>
+    <p:sldId id="268" r:id="rId17"/>
+    <p:sldId id="269" r:id="rId18"/>
   </p:sldIdLst>
   <p:sldSz cx="9144000" cy="6858000" type="screen4x3"/>
   <p:notesSz cx="6858000" cy="9144000"/>
@@ -3590,7 +3593,6 @@
               <a:rPr lang="es-PE" dirty="0"/>
               <a:t>Repositorios</a:t>
             </a:r>
-            <a:endParaRPr lang="es-PE" dirty="0"/>
           </a:p>
         </p:txBody>
       </p:sp>
@@ -3737,6 +3739,393 @@
 </file>
 
 <file path=ppt/slides/slide12.xml><?xml version="1.0" encoding="utf-8"?>
+<p:sld xmlns:a="http://schemas.openxmlformats.org/drawingml/2006/main" xmlns:r="http://schemas.openxmlformats.org/officeDocument/2006/relationships" xmlns:p="http://schemas.openxmlformats.org/presentationml/2006/main">
+  <p:cSld>
+    <p:spTree>
+      <p:nvGrpSpPr>
+        <p:cNvPr id="1" name=""/>
+        <p:cNvGrpSpPr/>
+        <p:nvPr/>
+      </p:nvGrpSpPr>
+      <p:grpSpPr>
+        <a:xfrm>
+          <a:off x="0" y="0"/>
+          <a:ext cx="0" cy="0"/>
+          <a:chOff x="0" y="0"/>
+          <a:chExt cx="0" cy="0"/>
+        </a:xfrm>
+      </p:grpSpPr>
+      <p:sp>
+        <p:nvSpPr>
+          <p:cNvPr id="2" name="1 Título"/>
+          <p:cNvSpPr>
+            <a:spLocks noGrp="1"/>
+          </p:cNvSpPr>
+          <p:nvPr>
+            <p:ph type="title"/>
+          </p:nvPr>
+        </p:nvSpPr>
+        <p:spPr/>
+        <p:txBody>
+          <a:bodyPr/>
+          <a:lstStyle/>
+          <a:p>
+            <a:r>
+              <a:rPr lang="es-PE" dirty="0" err="1" smtClean="0"/>
+              <a:t>Postman</a:t>
+            </a:r>
+            <a:r>
+              <a:rPr lang="es-PE" dirty="0" smtClean="0"/>
+              <a:t> - Autentificación</a:t>
+            </a:r>
+            <a:endParaRPr lang="es-PE" dirty="0"/>
+          </a:p>
+        </p:txBody>
+      </p:sp>
+      <p:pic>
+        <p:nvPicPr>
+          <p:cNvPr id="4" name="3 Imagen" descr="https://scontent.flim5-2.fna.fbcdn.net/v/t34.0-12/18578714_10209258114025549_209439311_n.png?oh=1f3f0ed0173abf0fa6a6367c71468023&amp;oe=592120E7"/>
+          <p:cNvPicPr/>
+          <p:nvPr/>
+        </p:nvPicPr>
+        <p:blipFill rotWithShape="1">
+          <a:blip r:embed="rId2">
+            <a:extLst>
+              <a:ext uri="{28A0092B-C50C-407E-A947-70E740481C1C}">
+                <a14:useLocalDpi xmlns:a14="http://schemas.microsoft.com/office/drawing/2010/main" val="0"/>
+              </a:ext>
+            </a:extLst>
+          </a:blip>
+          <a:srcRect t="6047" b="6864"/>
+          <a:stretch/>
+        </p:blipFill>
+        <p:spPr bwMode="auto">
+          <a:xfrm>
+            <a:off x="2051719" y="2420888"/>
+            <a:ext cx="5197599" cy="2657774"/>
+          </a:xfrm>
+          <a:prstGeom prst="rect">
+            <a:avLst/>
+          </a:prstGeom>
+          <a:noFill/>
+          <a:ln>
+            <a:noFill/>
+          </a:ln>
+          <a:extLst>
+            <a:ext uri="{53640926-AAD7-44D8-BBD7-CCE9431645EC}">
+              <a14:shadowObscured xmlns:a14="http://schemas.microsoft.com/office/drawing/2010/main"/>
+            </a:ext>
+          </a:extLst>
+        </p:spPr>
+      </p:pic>
+    </p:spTree>
+    <p:extLst>
+      <p:ext uri="{BB962C8B-B14F-4D97-AF65-F5344CB8AC3E}">
+        <p14:creationId xmlns:p14="http://schemas.microsoft.com/office/powerpoint/2010/main" val="86275393"/>
+      </p:ext>
+    </p:extLst>
+  </p:cSld>
+  <p:clrMapOvr>
+    <a:masterClrMapping/>
+  </p:clrMapOvr>
+</p:sld>
+</file>
+
+<file path=ppt/slides/slide13.xml><?xml version="1.0" encoding="utf-8"?>
+<p:sld xmlns:a="http://schemas.openxmlformats.org/drawingml/2006/main" xmlns:r="http://schemas.openxmlformats.org/officeDocument/2006/relationships" xmlns:p="http://schemas.openxmlformats.org/presentationml/2006/main">
+  <p:cSld>
+    <p:spTree>
+      <p:nvGrpSpPr>
+        <p:cNvPr id="1" name=""/>
+        <p:cNvGrpSpPr/>
+        <p:nvPr/>
+      </p:nvGrpSpPr>
+      <p:grpSpPr>
+        <a:xfrm>
+          <a:off x="0" y="0"/>
+          <a:ext cx="0" cy="0"/>
+          <a:chOff x="0" y="0"/>
+          <a:chExt cx="0" cy="0"/>
+        </a:xfrm>
+      </p:grpSpPr>
+      <p:sp>
+        <p:nvSpPr>
+          <p:cNvPr id="2" name="1 Título"/>
+          <p:cNvSpPr>
+            <a:spLocks noGrp="1"/>
+          </p:cNvSpPr>
+          <p:nvPr>
+            <p:ph type="title"/>
+          </p:nvPr>
+        </p:nvSpPr>
+        <p:spPr/>
+        <p:txBody>
+          <a:bodyPr/>
+          <a:lstStyle/>
+          <a:p>
+            <a:r>
+              <a:rPr lang="es-PE" dirty="0" err="1" smtClean="0"/>
+              <a:t>Postman</a:t>
+            </a:r>
+            <a:r>
+              <a:rPr lang="es-PE" dirty="0" smtClean="0"/>
+              <a:t> – Empresa y Jugador</a:t>
+            </a:r>
+            <a:endParaRPr lang="es-PE" dirty="0"/>
+          </a:p>
+        </p:txBody>
+      </p:sp>
+      <p:pic>
+        <p:nvPicPr>
+          <p:cNvPr id="4" name="3 Imagen" descr="https://scontent.flim5-2.fna.fbcdn.net/v/t35.0-12/18618507_10209258179347182_31702616_o.png?oh=7ca68c5e69056888a2b231e5019de963&amp;oe=59212413"/>
+          <p:cNvPicPr/>
+          <p:nvPr/>
+        </p:nvPicPr>
+        <p:blipFill rotWithShape="1">
+          <a:blip r:embed="rId2" cstate="print">
+            <a:extLst>
+              <a:ext uri="{28A0092B-C50C-407E-A947-70E740481C1C}">
+                <a14:useLocalDpi xmlns:a14="http://schemas.microsoft.com/office/drawing/2010/main" val="0"/>
+              </a:ext>
+            </a:extLst>
+          </a:blip>
+          <a:srcRect t="5136" b="13293"/>
+          <a:stretch/>
+        </p:blipFill>
+        <p:spPr bwMode="auto">
+          <a:xfrm>
+            <a:off x="539552" y="1412776"/>
+            <a:ext cx="4680520" cy="1944216"/>
+          </a:xfrm>
+          <a:prstGeom prst="rect">
+            <a:avLst/>
+          </a:prstGeom>
+          <a:noFill/>
+          <a:ln>
+            <a:noFill/>
+          </a:ln>
+          <a:extLst>
+            <a:ext uri="{53640926-AAD7-44D8-BBD7-CCE9431645EC}">
+              <a14:shadowObscured xmlns:a14="http://schemas.microsoft.com/office/drawing/2010/main"/>
+            </a:ext>
+          </a:extLst>
+        </p:spPr>
+      </p:pic>
+      <p:pic>
+        <p:nvPicPr>
+          <p:cNvPr id="5" name="4 Imagen" descr="https://scontent.flim5-2.fna.fbcdn.net/v/t35.0-12/18596280_10209258281989748_16443539_o.png?oh=bb356b18297b19e23f424c107733ee9b&amp;oe=59215068"/>
+          <p:cNvPicPr/>
+          <p:nvPr/>
+        </p:nvPicPr>
+        <p:blipFill rotWithShape="1">
+          <a:blip r:embed="rId3" cstate="print">
+            <a:extLst>
+              <a:ext uri="{28A0092B-C50C-407E-A947-70E740481C1C}">
+                <a14:useLocalDpi xmlns:a14="http://schemas.microsoft.com/office/drawing/2010/main" val="0"/>
+              </a:ext>
+            </a:extLst>
+          </a:blip>
+          <a:srcRect t="5438" b="15710"/>
+          <a:stretch/>
+        </p:blipFill>
+        <p:spPr bwMode="auto">
+          <a:xfrm>
+            <a:off x="4139952" y="2852936"/>
+            <a:ext cx="4655212" cy="1916578"/>
+          </a:xfrm>
+          <a:prstGeom prst="rect">
+            <a:avLst/>
+          </a:prstGeom>
+          <a:noFill/>
+          <a:ln>
+            <a:noFill/>
+          </a:ln>
+          <a:extLst>
+            <a:ext uri="{53640926-AAD7-44D8-BBD7-CCE9431645EC}">
+              <a14:shadowObscured xmlns:a14="http://schemas.microsoft.com/office/drawing/2010/main"/>
+            </a:ext>
+          </a:extLst>
+        </p:spPr>
+      </p:pic>
+      <p:pic>
+        <p:nvPicPr>
+          <p:cNvPr id="6" name="5 Imagen" descr="https://scontent.flim5-2.fna.fbcdn.net/v/t35.0-12/18575687_10209258301870245_600229828_o.png?oh=452e2588019f45e6ec6c6a30225aa314&amp;oe=5922209D"/>
+          <p:cNvPicPr/>
+          <p:nvPr/>
+        </p:nvPicPr>
+        <p:blipFill rotWithShape="1">
+          <a:blip r:embed="rId4" cstate="print">
+            <a:extLst>
+              <a:ext uri="{28A0092B-C50C-407E-A947-70E740481C1C}">
+                <a14:useLocalDpi xmlns:a14="http://schemas.microsoft.com/office/drawing/2010/main" val="0"/>
+              </a:ext>
+            </a:extLst>
+          </a:blip>
+          <a:srcRect t="6042" b="14501"/>
+          <a:stretch/>
+        </p:blipFill>
+        <p:spPr bwMode="auto">
+          <a:xfrm>
+            <a:off x="301243" y="4581128"/>
+            <a:ext cx="4682166" cy="2072264"/>
+          </a:xfrm>
+          <a:prstGeom prst="rect">
+            <a:avLst/>
+          </a:prstGeom>
+          <a:noFill/>
+          <a:ln>
+            <a:noFill/>
+          </a:ln>
+          <a:extLst>
+            <a:ext uri="{53640926-AAD7-44D8-BBD7-CCE9431645EC}">
+              <a14:shadowObscured xmlns:a14="http://schemas.microsoft.com/office/drawing/2010/main"/>
+            </a:ext>
+          </a:extLst>
+        </p:spPr>
+      </p:pic>
+    </p:spTree>
+    <p:extLst>
+      <p:ext uri="{BB962C8B-B14F-4D97-AF65-F5344CB8AC3E}">
+        <p14:creationId xmlns:p14="http://schemas.microsoft.com/office/powerpoint/2010/main" val="221446450"/>
+      </p:ext>
+    </p:extLst>
+  </p:cSld>
+  <p:clrMapOvr>
+    <a:masterClrMapping/>
+  </p:clrMapOvr>
+</p:sld>
+</file>
+
+<file path=ppt/slides/slide14.xml><?xml version="1.0" encoding="utf-8"?>
+<p:sld xmlns:a="http://schemas.openxmlformats.org/drawingml/2006/main" xmlns:r="http://schemas.openxmlformats.org/officeDocument/2006/relationships" xmlns:p="http://schemas.openxmlformats.org/presentationml/2006/main">
+  <p:cSld>
+    <p:spTree>
+      <p:nvGrpSpPr>
+        <p:cNvPr id="1" name=""/>
+        <p:cNvGrpSpPr/>
+        <p:nvPr/>
+      </p:nvGrpSpPr>
+      <p:grpSpPr>
+        <a:xfrm>
+          <a:off x="0" y="0"/>
+          <a:ext cx="0" cy="0"/>
+          <a:chOff x="0" y="0"/>
+          <a:chExt cx="0" cy="0"/>
+        </a:xfrm>
+      </p:grpSpPr>
+      <p:sp>
+        <p:nvSpPr>
+          <p:cNvPr id="2" name="1 Título"/>
+          <p:cNvSpPr>
+            <a:spLocks noGrp="1"/>
+          </p:cNvSpPr>
+          <p:nvPr>
+            <p:ph type="title"/>
+          </p:nvPr>
+        </p:nvSpPr>
+        <p:spPr/>
+        <p:txBody>
+          <a:bodyPr/>
+          <a:lstStyle/>
+          <a:p>
+            <a:r>
+              <a:rPr lang="es-PE" dirty="0" err="1" smtClean="0"/>
+              <a:t>Postman</a:t>
+            </a:r>
+            <a:r>
+              <a:rPr lang="es-PE" dirty="0" smtClean="0"/>
+              <a:t> Deporte y Equipo</a:t>
+            </a:r>
+            <a:endParaRPr lang="es-PE" dirty="0"/>
+          </a:p>
+        </p:txBody>
+      </p:sp>
+      <p:pic>
+        <p:nvPicPr>
+          <p:cNvPr id="4" name="3 Imagen" descr="https://scontent.flim5-2.fna.fbcdn.net/v/t35.0-12/18641462_10209258316910621_570888300_o.png?oh=a4a073c1157147daaa5e61668f6d84e5&amp;oe=592102E0"/>
+          <p:cNvPicPr/>
+          <p:nvPr/>
+        </p:nvPicPr>
+        <p:blipFill rotWithShape="1">
+          <a:blip r:embed="rId2" cstate="print">
+            <a:extLst>
+              <a:ext uri="{28A0092B-C50C-407E-A947-70E740481C1C}">
+                <a14:useLocalDpi xmlns:a14="http://schemas.microsoft.com/office/drawing/2010/main" val="0"/>
+              </a:ext>
+            </a:extLst>
+          </a:blip>
+          <a:srcRect t="6042" b="19638"/>
+          <a:stretch/>
+        </p:blipFill>
+        <p:spPr bwMode="auto">
+          <a:xfrm>
+            <a:off x="467544" y="1412776"/>
+            <a:ext cx="5607050" cy="2343150"/>
+          </a:xfrm>
+          <a:prstGeom prst="rect">
+            <a:avLst/>
+          </a:prstGeom>
+          <a:noFill/>
+          <a:ln>
+            <a:noFill/>
+          </a:ln>
+          <a:extLst>
+            <a:ext uri="{53640926-AAD7-44D8-BBD7-CCE9431645EC}">
+              <a14:shadowObscured xmlns:a14="http://schemas.microsoft.com/office/drawing/2010/main"/>
+            </a:ext>
+          </a:extLst>
+        </p:spPr>
+      </p:pic>
+      <p:pic>
+        <p:nvPicPr>
+          <p:cNvPr id="5" name="4 Imagen" descr="https://scontent.flim5-2.fna.fbcdn.net/v/t35.0-12/18596470_10209258327870895_99284286_o.png?oh=83a6876149aee4468304ef0cc2befeb3&amp;oe=59211168"/>
+          <p:cNvPicPr/>
+          <p:nvPr/>
+        </p:nvPicPr>
+        <p:blipFill rotWithShape="1">
+          <a:blip r:embed="rId3" cstate="print">
+            <a:extLst>
+              <a:ext uri="{28A0092B-C50C-407E-A947-70E740481C1C}">
+                <a14:useLocalDpi xmlns:a14="http://schemas.microsoft.com/office/drawing/2010/main" val="0"/>
+              </a:ext>
+            </a:extLst>
+          </a:blip>
+          <a:srcRect t="5438" b="16012"/>
+          <a:stretch/>
+        </p:blipFill>
+        <p:spPr bwMode="auto">
+          <a:xfrm>
+            <a:off x="2843808" y="3767377"/>
+            <a:ext cx="5607050" cy="2476500"/>
+          </a:xfrm>
+          <a:prstGeom prst="rect">
+            <a:avLst/>
+          </a:prstGeom>
+          <a:noFill/>
+          <a:ln>
+            <a:noFill/>
+          </a:ln>
+          <a:extLst>
+            <a:ext uri="{53640926-AAD7-44D8-BBD7-CCE9431645EC}">
+              <a14:shadowObscured xmlns:a14="http://schemas.microsoft.com/office/drawing/2010/main"/>
+            </a:ext>
+          </a:extLst>
+        </p:spPr>
+      </p:pic>
+    </p:spTree>
+    <p:extLst>
+      <p:ext uri="{BB962C8B-B14F-4D97-AF65-F5344CB8AC3E}">
+        <p14:creationId xmlns:p14="http://schemas.microsoft.com/office/powerpoint/2010/main" val="1398505098"/>
+      </p:ext>
+    </p:extLst>
+  </p:cSld>
+  <p:clrMapOvr>
+    <a:masterClrMapping/>
+  </p:clrMapOvr>
+</p:sld>
+</file>
+
+<file path=ppt/slides/slide15.xml><?xml version="1.0" encoding="utf-8"?>
 <p:sld xmlns:a="http://schemas.openxmlformats.org/drawingml/2006/main" xmlns:r="http://schemas.openxmlformats.org/officeDocument/2006/relationships" xmlns:p="http://schemas.openxmlformats.org/presentationml/2006/main">
   <p:cSld>
     <p:spTree>
@@ -3845,7 +4234,7 @@
 </p:sld>
 </file>
 
-<file path=ppt/slides/slide13.xml><?xml version="1.0" encoding="utf-8"?>
+<file path=ppt/slides/slide16.xml><?xml version="1.0" encoding="utf-8"?>
 <p:sld xmlns:a="http://schemas.openxmlformats.org/drawingml/2006/main" xmlns:r="http://schemas.openxmlformats.org/officeDocument/2006/relationships" xmlns:p="http://schemas.openxmlformats.org/presentationml/2006/main">
   <p:cSld>
     <p:spTree>
@@ -3953,7 +4342,7 @@
 </p:sld>
 </file>
 
-<file path=ppt/slides/slide14.xml><?xml version="1.0" encoding="utf-8"?>
+<file path=ppt/slides/slide17.xml><?xml version="1.0" encoding="utf-8"?>
 <p:sld xmlns:a="http://schemas.openxmlformats.org/drawingml/2006/main" xmlns:r="http://schemas.openxmlformats.org/officeDocument/2006/relationships" xmlns:p="http://schemas.openxmlformats.org/presentationml/2006/main">
   <p:cSld>
     <p:spTree>
@@ -4380,7 +4769,6 @@
               <a:rPr lang="es-PE" dirty="0"/>
               <a:t> Persona </a:t>
             </a:r>
-            <a:endParaRPr lang="es-PE" dirty="0"/>
           </a:p>
         </p:txBody>
       </p:sp>
@@ -4829,7 +5217,6 @@
               <a:rPr lang="es-PE" dirty="0"/>
               <a:t> de Android APP</a:t>
             </a:r>
-            <a:endParaRPr lang="es-PE" dirty="0"/>
           </a:p>
         </p:txBody>
       </p:sp>
